--- a/Präsentation Gruppe 5.pptx
+++ b/Präsentation Gruppe 5.pptx
@@ -160,7 +160,7 @@
   </p:defaultTextStyle>
   <p:extLst>
     <p:ext uri="{521415D9-36F7-43E2-AB2F-B90AF26B5E84}">
-      <p14:sectionLst xmlns:p14="http://schemas.microsoft.com/office/powerpoint/2010/main">
+      <p14:sectionLst xmlns:p14="http://schemas.microsoft.com/office/powerpoint/2010/main" xmlns="">
         <p14:section name="Fachlabor IT" id="{DED19D9C-E72F-4B67-BED8-A255EA795F3F}">
           <p14:sldIdLst>
             <p14:sldId id="256"/>
@@ -211,7 +211,7 @@
       </p14:sectionLst>
     </p:ext>
     <p:ext uri="{EFAFB233-063F-42B5-8137-9DF3F51BA10A}">
-      <p15:sldGuideLst xmlns:p15="http://schemas.microsoft.com/office/powerpoint/2012/main">
+      <p15:sldGuideLst xmlns:p15="http://schemas.microsoft.com/office/powerpoint/2012/main" xmlns="">
         <p15:guide id="1" orient="horz" pos="935" userDrawn="1">
           <p15:clr>
             <a:srgbClr val="A4A3A4"/>
@@ -225,7 +225,7 @@
       </p15:sldGuideLst>
     </p:ext>
     <p:ext uri="{2D200454-40CA-4A62-9FC3-DE9A4176ACB9}">
-      <p15:notesGuideLst xmlns:p15="http://schemas.microsoft.com/office/powerpoint/2012/main">
+      <p15:notesGuideLst xmlns:p15="http://schemas.microsoft.com/office/powerpoint/2012/main" xmlns="">
         <p15:guide id="1" orient="horz" pos="3132">
           <p15:clr>
             <a:srgbClr val="A4A3A4"/>
@@ -465,7 +465,7 @@
     </p:spTree>
     <p:extLst>
       <p:ext uri="{BB962C8B-B14F-4D97-AF65-F5344CB8AC3E}">
-        <p14:creationId xmlns:p14="http://schemas.microsoft.com/office/powerpoint/2010/main" val="2340697763"/>
+        <p14:creationId xmlns:p14="http://schemas.microsoft.com/office/powerpoint/2010/main" xmlns="" val="2340697763"/>
       </p:ext>
     </p:extLst>
   </p:cSld>
@@ -795,7 +795,7 @@
     </p:spTree>
     <p:extLst>
       <p:ext uri="{BB962C8B-B14F-4D97-AF65-F5344CB8AC3E}">
-        <p14:creationId xmlns:p14="http://schemas.microsoft.com/office/powerpoint/2010/main" val="3722097906"/>
+        <p14:creationId xmlns:p14="http://schemas.microsoft.com/office/powerpoint/2010/main" xmlns="" val="3722097906"/>
       </p:ext>
     </p:extLst>
   </p:cSld>
@@ -1019,7 +1019,7 @@
     </p:spTree>
     <p:extLst>
       <p:ext uri="{BB962C8B-B14F-4D97-AF65-F5344CB8AC3E}">
-        <p14:creationId xmlns:p14="http://schemas.microsoft.com/office/powerpoint/2010/main" val="3197195781"/>
+        <p14:creationId xmlns:p14="http://schemas.microsoft.com/office/powerpoint/2010/main" xmlns="" val="3197195781"/>
       </p:ext>
     </p:extLst>
   </p:cSld>
@@ -1228,7 +1228,7 @@
     </p:spTree>
     <p:extLst>
       <p:ext uri="{BB962C8B-B14F-4D97-AF65-F5344CB8AC3E}">
-        <p14:creationId xmlns:p14="http://schemas.microsoft.com/office/powerpoint/2010/main" val="2132037008"/>
+        <p14:creationId xmlns:p14="http://schemas.microsoft.com/office/powerpoint/2010/main" xmlns="" val="2132037008"/>
       </p:ext>
     </p:extLst>
   </p:cSld>
@@ -1323,7 +1323,7 @@
     </p:spTree>
     <p:extLst>
       <p:ext uri="{BB962C8B-B14F-4D97-AF65-F5344CB8AC3E}">
-        <p14:creationId xmlns:p14="http://schemas.microsoft.com/office/powerpoint/2010/main" val="3022281367"/>
+        <p14:creationId xmlns:p14="http://schemas.microsoft.com/office/powerpoint/2010/main" xmlns="" val="3022281367"/>
       </p:ext>
     </p:extLst>
   </p:cSld>
@@ -1415,7 +1415,7 @@
     </p:spTree>
     <p:extLst>
       <p:ext uri="{BB962C8B-B14F-4D97-AF65-F5344CB8AC3E}">
-        <p14:creationId xmlns:p14="http://schemas.microsoft.com/office/powerpoint/2010/main" val="797876991"/>
+        <p14:creationId xmlns:p14="http://schemas.microsoft.com/office/powerpoint/2010/main" xmlns="" val="797876991"/>
       </p:ext>
     </p:extLst>
   </p:cSld>
@@ -1519,7 +1519,7 @@
     </p:spTree>
     <p:extLst>
       <p:ext uri="{BB962C8B-B14F-4D97-AF65-F5344CB8AC3E}">
-        <p14:creationId xmlns:p14="http://schemas.microsoft.com/office/powerpoint/2010/main" val="3140753640"/>
+        <p14:creationId xmlns:p14="http://schemas.microsoft.com/office/powerpoint/2010/main" xmlns="" val="3140753640"/>
       </p:ext>
     </p:extLst>
   </p:cSld>
@@ -1959,7 +1959,7 @@
   </p:clrMapOvr>
   <p:extLst mod="1">
     <p:ext uri="{DCECCB84-F9BA-43D5-87BE-67443E8EF086}">
-      <p15:sldGuideLst xmlns:p15="http://schemas.microsoft.com/office/powerpoint/2012/main">
+      <p15:sldGuideLst xmlns:p15="http://schemas.microsoft.com/office/powerpoint/2012/main" xmlns="">
         <p15:guide id="1" orient="horz" pos="2160" userDrawn="1">
           <p15:clr>
             <a:srgbClr val="FBAE40"/>
@@ -3576,7 +3576,7 @@
           </a:ln>
           <a:extLst>
             <a:ext uri="{91240B29-F687-4F45-9708-019B960494DF}">
-              <a14:hiddenLine xmlns:a14="http://schemas.microsoft.com/office/drawing/2010/main" w="9525">
+              <a14:hiddenLine xmlns:a14="http://schemas.microsoft.com/office/drawing/2010/main" xmlns="" w="9525">
                 <a:solidFill>
                   <a:srgbClr val="000000"/>
                 </a:solidFill>
@@ -3671,7 +3671,7 @@
           </a:ln>
           <a:extLst>
             <a:ext uri="{91240B29-F687-4F45-9708-019B960494DF}">
-              <a14:hiddenLine xmlns:a14="http://schemas.microsoft.com/office/drawing/2010/main" w="9525">
+              <a14:hiddenLine xmlns:a14="http://schemas.microsoft.com/office/drawing/2010/main" xmlns="" w="9525">
                 <a:solidFill>
                   <a:srgbClr val="000000"/>
                 </a:solidFill>
@@ -3766,7 +3766,7 @@
           </a:ln>
           <a:extLst>
             <a:ext uri="{91240B29-F687-4F45-9708-019B960494DF}">
-              <a14:hiddenLine xmlns:a14="http://schemas.microsoft.com/office/drawing/2010/main" w="9525">
+              <a14:hiddenLine xmlns:a14="http://schemas.microsoft.com/office/drawing/2010/main" xmlns="" w="9525">
                 <a:solidFill>
                   <a:srgbClr val="000000"/>
                 </a:solidFill>
@@ -4798,7 +4798,7 @@
     </p:spTree>
     <p:extLst>
       <p:ext uri="{BB962C8B-B14F-4D97-AF65-F5344CB8AC3E}">
-        <p14:creationId xmlns:p14="http://schemas.microsoft.com/office/powerpoint/2010/main" val="2895349213"/>
+        <p14:creationId xmlns:p14="http://schemas.microsoft.com/office/powerpoint/2010/main" xmlns="" val="2895349213"/>
       </p:ext>
     </p:extLst>
   </p:cSld>
@@ -5045,7 +5045,7 @@
     </p:spTree>
     <p:extLst>
       <p:ext uri="{BB962C8B-B14F-4D97-AF65-F5344CB8AC3E}">
-        <p14:creationId xmlns:p14="http://schemas.microsoft.com/office/powerpoint/2010/main" val="4216422739"/>
+        <p14:creationId xmlns:p14="http://schemas.microsoft.com/office/powerpoint/2010/main" xmlns="" val="4216422739"/>
       </p:ext>
     </p:extLst>
   </p:cSld>
@@ -5236,7 +5236,7 @@
     </p:spTree>
     <p:extLst>
       <p:ext uri="{BB962C8B-B14F-4D97-AF65-F5344CB8AC3E}">
-        <p14:creationId xmlns:p14="http://schemas.microsoft.com/office/powerpoint/2010/main" val="1466112408"/>
+        <p14:creationId xmlns:p14="http://schemas.microsoft.com/office/powerpoint/2010/main" xmlns="" val="1466112408"/>
       </p:ext>
     </p:extLst>
   </p:cSld>
@@ -5479,13 +5479,20 @@
     </p:spTree>
     <p:extLst>
       <p:ext uri="{BB962C8B-B14F-4D97-AF65-F5344CB8AC3E}">
-        <p14:creationId xmlns:p14="http://schemas.microsoft.com/office/powerpoint/2010/main" val="1836390994"/>
+        <p14:creationId xmlns:p14="http://schemas.microsoft.com/office/powerpoint/2010/main" xmlns="" val="1836390994"/>
       </p:ext>
     </p:extLst>
   </p:cSld>
   <p:clrMapOvr>
     <a:masterClrMapping/>
   </p:clrMapOvr>
+  <p:timing>
+    <p:tnLst>
+      <p:par>
+        <p:cTn id="1" dur="indefinite" restart="never" nodeType="tmRoot"/>
+      </p:par>
+    </p:tnLst>
+  </p:timing>
 </p:sld>
 </file>
 
@@ -5720,7 +5727,7 @@
           <a:blip r:embed="rId2">
             <a:extLst>
               <a:ext uri="{28A0092B-C50C-407E-A947-70E740481C1C}">
-                <a14:useLocalDpi xmlns:a14="http://schemas.microsoft.com/office/drawing/2010/main" val="0"/>
+                <a14:useLocalDpi xmlns:a14="http://schemas.microsoft.com/office/drawing/2010/main" xmlns="" val="0"/>
               </a:ext>
             </a:extLst>
           </a:blip>
@@ -5743,14 +5750,14 @@
           </a:ln>
           <a:extLst>
             <a:ext uri="{909E8E84-426E-40DD-AFC4-6F175D3DCCD1}">
-              <a14:hiddenFill xmlns:a14="http://schemas.microsoft.com/office/drawing/2010/main">
+              <a14:hiddenFill xmlns:a14="http://schemas.microsoft.com/office/drawing/2010/main" xmlns="">
                 <a:solidFill>
                   <a:schemeClr val="accent1"/>
                 </a:solidFill>
               </a14:hiddenFill>
             </a:ext>
             <a:ext uri="{91240B29-F687-4F45-9708-019B960494DF}">
-              <a14:hiddenLine xmlns:a14="http://schemas.microsoft.com/office/drawing/2010/main" w="9525">
+              <a14:hiddenLine xmlns:a14="http://schemas.microsoft.com/office/drawing/2010/main" xmlns="" w="9525">
                 <a:solidFill>
                   <a:schemeClr val="tx1"/>
                 </a:solidFill>
@@ -5891,7 +5898,7 @@
     </p:spTree>
     <p:extLst>
       <p:ext uri="{BB962C8B-B14F-4D97-AF65-F5344CB8AC3E}">
-        <p14:creationId xmlns:p14="http://schemas.microsoft.com/office/powerpoint/2010/main" val="4058165542"/>
+        <p14:creationId xmlns:p14="http://schemas.microsoft.com/office/powerpoint/2010/main" xmlns="" val="4058165542"/>
       </p:ext>
     </p:extLst>
   </p:cSld>
@@ -6256,13 +6263,20 @@
     </p:spTree>
     <p:extLst>
       <p:ext uri="{BB962C8B-B14F-4D97-AF65-F5344CB8AC3E}">
-        <p14:creationId xmlns:p14="http://schemas.microsoft.com/office/powerpoint/2010/main" val="2383928734"/>
+        <p14:creationId xmlns:p14="http://schemas.microsoft.com/office/powerpoint/2010/main" xmlns="" val="2383928734"/>
       </p:ext>
     </p:extLst>
   </p:cSld>
   <p:clrMapOvr>
     <a:masterClrMapping/>
   </p:clrMapOvr>
+  <p:timing>
+    <p:tnLst>
+      <p:par>
+        <p:cTn id="1" dur="indefinite" restart="never" nodeType="tmRoot"/>
+      </p:par>
+    </p:tnLst>
+  </p:timing>
 </p:sld>
 </file>
 
@@ -6427,7 +6441,7 @@
           <a:blip r:embed="rId2">
             <a:extLst>
               <a:ext uri="{28A0092B-C50C-407E-A947-70E740481C1C}">
-                <a14:useLocalDpi xmlns:a14="http://schemas.microsoft.com/office/drawing/2010/main" val="0"/>
+                <a14:useLocalDpi xmlns:a14="http://schemas.microsoft.com/office/drawing/2010/main" xmlns="" val="0"/>
               </a:ext>
             </a:extLst>
           </a:blip>
@@ -6450,14 +6464,14 @@
           </a:ln>
           <a:extLst>
             <a:ext uri="{909E8E84-426E-40DD-AFC4-6F175D3DCCD1}">
-              <a14:hiddenFill xmlns:a14="http://schemas.microsoft.com/office/drawing/2010/main">
+              <a14:hiddenFill xmlns:a14="http://schemas.microsoft.com/office/drawing/2010/main" xmlns="">
                 <a:solidFill>
                   <a:schemeClr val="accent1"/>
                 </a:solidFill>
               </a14:hiddenFill>
             </a:ext>
             <a:ext uri="{91240B29-F687-4F45-9708-019B960494DF}">
-              <a14:hiddenLine xmlns:a14="http://schemas.microsoft.com/office/drawing/2010/main" w="9525">
+              <a14:hiddenLine xmlns:a14="http://schemas.microsoft.com/office/drawing/2010/main" xmlns="" w="9525">
                 <a:solidFill>
                   <a:schemeClr val="tx1"/>
                 </a:solidFill>
@@ -6472,13 +6486,20 @@
     </p:spTree>
     <p:extLst>
       <p:ext uri="{BB962C8B-B14F-4D97-AF65-F5344CB8AC3E}">
-        <p14:creationId xmlns:p14="http://schemas.microsoft.com/office/powerpoint/2010/main" val="1075400916"/>
+        <p14:creationId xmlns:p14="http://schemas.microsoft.com/office/powerpoint/2010/main" xmlns="" val="1075400916"/>
       </p:ext>
     </p:extLst>
   </p:cSld>
   <p:clrMapOvr>
     <a:masterClrMapping/>
   </p:clrMapOvr>
+  <p:timing>
+    <p:tnLst>
+      <p:par>
+        <p:cTn id="1" dur="indefinite" restart="never" nodeType="tmRoot"/>
+      </p:par>
+    </p:tnLst>
+  </p:timing>
 </p:sld>
 </file>
 
@@ -6913,13 +6934,20 @@
     </p:spTree>
     <p:extLst>
       <p:ext uri="{BB962C8B-B14F-4D97-AF65-F5344CB8AC3E}">
-        <p14:creationId xmlns:p14="http://schemas.microsoft.com/office/powerpoint/2010/main" val="1550742323"/>
+        <p14:creationId xmlns:p14="http://schemas.microsoft.com/office/powerpoint/2010/main" xmlns="" val="1550742323"/>
       </p:ext>
     </p:extLst>
   </p:cSld>
   <p:clrMapOvr>
     <a:masterClrMapping/>
   </p:clrMapOvr>
+  <p:timing>
+    <p:tnLst>
+      <p:par>
+        <p:cTn id="1" dur="indefinite" restart="never" nodeType="tmRoot"/>
+      </p:par>
+    </p:tnLst>
+  </p:timing>
 </p:sld>
 </file>
 
@@ -7093,47 +7121,76 @@
           <a:lstStyle/>
           <a:p>
             <a:r>
-              <a:rPr lang="de-DE"/>
-              <a:t>Featurereichen und robusten Fahrstuhl programmiert</a:t>
-            </a:r>
-          </a:p>
-          <a:p>
-            <a:r>
-              <a:rPr lang="de-DE"/>
+              <a:rPr lang="de-DE" dirty="0" smtClean="0"/>
+              <a:t>Funktionsreichen </a:t>
+            </a:r>
+            <a:r>
+              <a:rPr lang="de-DE" dirty="0"/>
+              <a:t>und robusten Fahrstuhl programmiert</a:t>
+            </a:r>
+          </a:p>
+          <a:p>
+            <a:r>
+              <a:rPr lang="de-DE" dirty="0"/>
               <a:t>Arbeit im Team unter Verwendung von sowohl Aufgabenteilung als auch gemeinsamer Programmierung</a:t>
             </a:r>
           </a:p>
           <a:p>
             <a:r>
-              <a:rPr lang="de-DE"/>
-              <a:t>Eigenständige Lösungskonzeption und das Überwinden von Hürden in der programmiererischen Umsetzung</a:t>
-            </a:r>
-          </a:p>
-          <a:p>
-            <a:endParaRPr lang="de-DE"/>
-          </a:p>
-          <a:p>
-            <a:endParaRPr lang="de-DE"/>
-          </a:p>
-          <a:p>
-            <a:r>
-              <a:rPr lang="de-DE"/>
-              <a:t>Weitere Denkbare Features:</a:t>
+              <a:rPr lang="de-DE" dirty="0"/>
+              <a:t>Eigenständige Lösungskonzeption und das Überwinden von Hürden in der </a:t>
+            </a:r>
+            <a:r>
+              <a:rPr lang="de-DE" dirty="0" err="1"/>
+              <a:t>programmiererischen</a:t>
+            </a:r>
+            <a:r>
+              <a:rPr lang="de-DE" dirty="0"/>
+              <a:t> Umsetzung</a:t>
+            </a:r>
+          </a:p>
+          <a:p>
+            <a:endParaRPr lang="de-DE" dirty="0"/>
+          </a:p>
+          <a:p>
+            <a:endParaRPr lang="de-DE" dirty="0"/>
+          </a:p>
+          <a:p>
+            <a:r>
+              <a:rPr lang="de-DE" dirty="0"/>
+              <a:t>Weitere </a:t>
+            </a:r>
+            <a:r>
+              <a:rPr lang="de-DE" dirty="0" smtClean="0"/>
+              <a:t>denkbare </a:t>
+            </a:r>
+            <a:r>
+              <a:rPr lang="de-DE" dirty="0"/>
+              <a:t>Features:</a:t>
             </a:r>
           </a:p>
           <a:p>
             <a:pPr lvl="1"/>
             <a:r>
-              <a:rPr lang="de-DE"/>
-              <a:t>Unterschiedlich Geschwindigkeitseinstellungen</a:t>
+              <a:rPr lang="de-DE" dirty="0" smtClean="0"/>
+              <a:t>Unterschiedliche </a:t>
+            </a:r>
+            <a:r>
+              <a:rPr lang="de-DE" dirty="0"/>
+              <a:t>Geschwindigkeitseinstellungen</a:t>
             </a:r>
           </a:p>
           <a:p>
             <a:pPr lvl="1"/>
             <a:r>
-              <a:rPr lang="de-DE"/>
-              <a:t>Andere Warteschlangenlogik/-prioritäten</a:t>
-            </a:r>
+              <a:rPr lang="de-DE" dirty="0"/>
+              <a:t>Andere Warteschlangenlogik/-</a:t>
+            </a:r>
+            <a:r>
+              <a:rPr lang="de-DE" dirty="0" err="1"/>
+              <a:t>prioritäten</a:t>
+            </a:r>
+            <a:endParaRPr lang="de-DE" dirty="0"/>
           </a:p>
           <a:p>
             <a:endParaRPr lang="de-DE" dirty="0"/>
@@ -7143,13 +7200,20 @@
     </p:spTree>
     <p:extLst>
       <p:ext uri="{BB962C8B-B14F-4D97-AF65-F5344CB8AC3E}">
-        <p14:creationId xmlns:p14="http://schemas.microsoft.com/office/powerpoint/2010/main" val="2284810438"/>
+        <p14:creationId xmlns:p14="http://schemas.microsoft.com/office/powerpoint/2010/main" xmlns="" val="2284810438"/>
       </p:ext>
     </p:extLst>
   </p:cSld>
   <p:clrMapOvr>
     <a:masterClrMapping/>
   </p:clrMapOvr>
+  <p:timing>
+    <p:tnLst>
+      <p:par>
+        <p:cTn id="1" dur="indefinite" restart="never" nodeType="tmRoot"/>
+      </p:par>
+    </p:tnLst>
+  </p:timing>
 </p:sld>
 </file>
 
@@ -7428,7 +7492,7 @@
     </p:spTree>
     <p:extLst>
       <p:ext uri="{BB962C8B-B14F-4D97-AF65-F5344CB8AC3E}">
-        <p14:creationId xmlns:p14="http://schemas.microsoft.com/office/powerpoint/2010/main" val="1684480284"/>
+        <p14:creationId xmlns:p14="http://schemas.microsoft.com/office/powerpoint/2010/main" xmlns="" val="1684480284"/>
       </p:ext>
     </p:extLst>
   </p:cSld>
@@ -7436,6 +7500,13 @@
     <a:masterClrMapping/>
   </p:clrMapOvr>
   <p:transition/>
+  <p:timing>
+    <p:tnLst>
+      <p:par>
+        <p:cTn id="1" dur="indefinite" restart="never" nodeType="tmRoot"/>
+      </p:par>
+    </p:tnLst>
+  </p:timing>
 </p:sld>
 </file>
 
@@ -7875,7 +7946,7 @@
     </p:spTree>
     <p:extLst>
       <p:ext uri="{BB962C8B-B14F-4D97-AF65-F5344CB8AC3E}">
-        <p14:creationId xmlns:p14="http://schemas.microsoft.com/office/powerpoint/2010/main" val="309100733"/>
+        <p14:creationId xmlns:p14="http://schemas.microsoft.com/office/powerpoint/2010/main" xmlns="" val="309100733"/>
       </p:ext>
     </p:extLst>
   </p:cSld>
@@ -8220,7 +8291,7 @@
     </p:spTree>
     <p:extLst>
       <p:ext uri="{BB962C8B-B14F-4D97-AF65-F5344CB8AC3E}">
-        <p14:creationId xmlns:p14="http://schemas.microsoft.com/office/powerpoint/2010/main" val="4221714953"/>
+        <p14:creationId xmlns:p14="http://schemas.microsoft.com/office/powerpoint/2010/main" xmlns="" val="4221714953"/>
       </p:ext>
     </p:extLst>
   </p:cSld>
@@ -8388,7 +8459,7 @@
     </p:spTree>
     <p:extLst>
       <p:ext uri="{BB962C8B-B14F-4D97-AF65-F5344CB8AC3E}">
-        <p14:creationId xmlns:p14="http://schemas.microsoft.com/office/powerpoint/2010/main" val="1893387264"/>
+        <p14:creationId xmlns:p14="http://schemas.microsoft.com/office/powerpoint/2010/main" xmlns="" val="1893387264"/>
       </p:ext>
     </p:extLst>
   </p:cSld>
@@ -8826,7 +8897,7 @@
     </p:spTree>
     <p:extLst>
       <p:ext uri="{BB962C8B-B14F-4D97-AF65-F5344CB8AC3E}">
-        <p14:creationId xmlns:p14="http://schemas.microsoft.com/office/powerpoint/2010/main" val="3395949267"/>
+        <p14:creationId xmlns:p14="http://schemas.microsoft.com/office/powerpoint/2010/main" xmlns="" val="3395949267"/>
       </p:ext>
     </p:extLst>
   </p:cSld>
@@ -9020,7 +9091,7 @@
     </p:spTree>
     <p:extLst>
       <p:ext uri="{BB962C8B-B14F-4D97-AF65-F5344CB8AC3E}">
-        <p14:creationId xmlns:p14="http://schemas.microsoft.com/office/powerpoint/2010/main" val="3427100782"/>
+        <p14:creationId xmlns:p14="http://schemas.microsoft.com/office/powerpoint/2010/main" xmlns="" val="3427100782"/>
       </p:ext>
     </p:extLst>
   </p:cSld>
@@ -9214,7 +9285,7 @@
     </p:spTree>
     <p:extLst>
       <p:ext uri="{BB962C8B-B14F-4D97-AF65-F5344CB8AC3E}">
-        <p14:creationId xmlns:p14="http://schemas.microsoft.com/office/powerpoint/2010/main" val="1036794897"/>
+        <p14:creationId xmlns:p14="http://schemas.microsoft.com/office/powerpoint/2010/main" xmlns="" val="1036794897"/>
       </p:ext>
     </p:extLst>
   </p:cSld>
@@ -9457,7 +9528,7 @@
     </p:spTree>
     <p:extLst>
       <p:ext uri="{BB962C8B-B14F-4D97-AF65-F5344CB8AC3E}">
-        <p14:creationId xmlns:p14="http://schemas.microsoft.com/office/powerpoint/2010/main" val="1366462204"/>
+        <p14:creationId xmlns:p14="http://schemas.microsoft.com/office/powerpoint/2010/main" xmlns="" val="1366462204"/>
       </p:ext>
     </p:extLst>
   </p:cSld>
@@ -9670,7 +9741,7 @@
     </p:spTree>
     <p:extLst>
       <p:ext uri="{BB962C8B-B14F-4D97-AF65-F5344CB8AC3E}">
-        <p14:creationId xmlns:p14="http://schemas.microsoft.com/office/powerpoint/2010/main" val="456857022"/>
+        <p14:creationId xmlns:p14="http://schemas.microsoft.com/office/powerpoint/2010/main" xmlns="" val="456857022"/>
       </p:ext>
     </p:extLst>
   </p:cSld>

--- a/Präsentation Gruppe 5.pptx
+++ b/Präsentation Gruppe 5.pptx
@@ -5,10 +5,10 @@
     <p:sldMasterId id="2147483922" r:id="rId1"/>
   </p:sldMasterIdLst>
   <p:notesMasterIdLst>
-    <p:notesMasterId r:id="rId21"/>
+    <p:notesMasterId r:id="rId22"/>
   </p:notesMasterIdLst>
   <p:handoutMasterIdLst>
-    <p:handoutMasterId r:id="rId22"/>
+    <p:handoutMasterId r:id="rId23"/>
   </p:handoutMasterIdLst>
   <p:sldIdLst>
     <p:sldId id="256" r:id="rId2"/>
@@ -29,7 +29,8 @@
     <p:sldId id="653" r:id="rId17"/>
     <p:sldId id="606" r:id="rId18"/>
     <p:sldId id="654" r:id="rId19"/>
-    <p:sldId id="633" r:id="rId20"/>
+    <p:sldId id="655" r:id="rId20"/>
+    <p:sldId id="633" r:id="rId21"/>
   </p:sldIdLst>
   <p:sldSz cx="9144000" cy="6858000" type="screen4x3"/>
   <p:notesSz cx="6761163" cy="9942513"/>
@@ -160,7 +161,7 @@
   </p:defaultTextStyle>
   <p:extLst>
     <p:ext uri="{521415D9-36F7-43E2-AB2F-B90AF26B5E84}">
-      <p14:sectionLst xmlns:p14="http://schemas.microsoft.com/office/powerpoint/2010/main" xmlns="">
+      <p14:sectionLst xmlns="" xmlns:p14="http://schemas.microsoft.com/office/powerpoint/2010/main">
         <p14:section name="Fachlabor IT" id="{DED19D9C-E72F-4B67-BED8-A255EA795F3F}">
           <p14:sldIdLst>
             <p14:sldId id="256"/>
@@ -211,7 +212,7 @@
       </p14:sectionLst>
     </p:ext>
     <p:ext uri="{EFAFB233-063F-42B5-8137-9DF3F51BA10A}">
-      <p15:sldGuideLst xmlns:p15="http://schemas.microsoft.com/office/powerpoint/2012/main" xmlns="">
+      <p15:sldGuideLst xmlns="" xmlns:p15="http://schemas.microsoft.com/office/powerpoint/2012/main">
         <p15:guide id="1" orient="horz" pos="935" userDrawn="1">
           <p15:clr>
             <a:srgbClr val="A4A3A4"/>
@@ -225,7 +226,7 @@
       </p15:sldGuideLst>
     </p:ext>
     <p:ext uri="{2D200454-40CA-4A62-9FC3-DE9A4176ACB9}">
-      <p15:notesGuideLst xmlns:p15="http://schemas.microsoft.com/office/powerpoint/2012/main" xmlns="">
+      <p15:notesGuideLst xmlns="" xmlns:p15="http://schemas.microsoft.com/office/powerpoint/2012/main">
         <p15:guide id="1" orient="horz" pos="3132">
           <p15:clr>
             <a:srgbClr val="A4A3A4"/>
@@ -465,7 +466,7 @@
     </p:spTree>
     <p:extLst>
       <p:ext uri="{BB962C8B-B14F-4D97-AF65-F5344CB8AC3E}">
-        <p14:creationId xmlns:p14="http://schemas.microsoft.com/office/powerpoint/2010/main" xmlns="" val="2340697763"/>
+        <p14:creationId xmlns="" xmlns:p14="http://schemas.microsoft.com/office/powerpoint/2010/main" val="2340697763"/>
       </p:ext>
     </p:extLst>
   </p:cSld>
@@ -795,7 +796,7 @@
     </p:spTree>
     <p:extLst>
       <p:ext uri="{BB962C8B-B14F-4D97-AF65-F5344CB8AC3E}">
-        <p14:creationId xmlns:p14="http://schemas.microsoft.com/office/powerpoint/2010/main" xmlns="" val="3722097906"/>
+        <p14:creationId xmlns="" xmlns:p14="http://schemas.microsoft.com/office/powerpoint/2010/main" val="3722097906"/>
       </p:ext>
     </p:extLst>
   </p:cSld>
@@ -1019,7 +1020,7 @@
     </p:spTree>
     <p:extLst>
       <p:ext uri="{BB962C8B-B14F-4D97-AF65-F5344CB8AC3E}">
-        <p14:creationId xmlns:p14="http://schemas.microsoft.com/office/powerpoint/2010/main" xmlns="" val="3197195781"/>
+        <p14:creationId xmlns="" xmlns:p14="http://schemas.microsoft.com/office/powerpoint/2010/main" val="3197195781"/>
       </p:ext>
     </p:extLst>
   </p:cSld>
@@ -1228,7 +1229,7 @@
     </p:spTree>
     <p:extLst>
       <p:ext uri="{BB962C8B-B14F-4D97-AF65-F5344CB8AC3E}">
-        <p14:creationId xmlns:p14="http://schemas.microsoft.com/office/powerpoint/2010/main" xmlns="" val="2132037008"/>
+        <p14:creationId xmlns="" xmlns:p14="http://schemas.microsoft.com/office/powerpoint/2010/main" val="2132037008"/>
       </p:ext>
     </p:extLst>
   </p:cSld>
@@ -1323,7 +1324,7 @@
     </p:spTree>
     <p:extLst>
       <p:ext uri="{BB962C8B-B14F-4D97-AF65-F5344CB8AC3E}">
-        <p14:creationId xmlns:p14="http://schemas.microsoft.com/office/powerpoint/2010/main" xmlns="" val="3022281367"/>
+        <p14:creationId xmlns="" xmlns:p14="http://schemas.microsoft.com/office/powerpoint/2010/main" val="3022281367"/>
       </p:ext>
     </p:extLst>
   </p:cSld>
@@ -1415,7 +1416,7 @@
     </p:spTree>
     <p:extLst>
       <p:ext uri="{BB962C8B-B14F-4D97-AF65-F5344CB8AC3E}">
-        <p14:creationId xmlns:p14="http://schemas.microsoft.com/office/powerpoint/2010/main" xmlns="" val="797876991"/>
+        <p14:creationId xmlns="" xmlns:p14="http://schemas.microsoft.com/office/powerpoint/2010/main" val="797876991"/>
       </p:ext>
     </p:extLst>
   </p:cSld>
@@ -1465,7 +1466,7 @@
               <a:pPr>
                 <a:defRPr/>
               </a:pPr>
-              <a:t>19</a:t>
+              <a:t>20</a:t>
             </a:fld>
             <a:endParaRPr lang="de-DE"/>
           </a:p>
@@ -1519,7 +1520,7 @@
     </p:spTree>
     <p:extLst>
       <p:ext uri="{BB962C8B-B14F-4D97-AF65-F5344CB8AC3E}">
-        <p14:creationId xmlns:p14="http://schemas.microsoft.com/office/powerpoint/2010/main" xmlns="" val="3140753640"/>
+        <p14:creationId xmlns="" xmlns:p14="http://schemas.microsoft.com/office/powerpoint/2010/main" val="3140753640"/>
       </p:ext>
     </p:extLst>
   </p:cSld>
@@ -1959,7 +1960,7 @@
   </p:clrMapOvr>
   <p:extLst mod="1">
     <p:ext uri="{DCECCB84-F9BA-43D5-87BE-67443E8EF086}">
-      <p15:sldGuideLst xmlns:p15="http://schemas.microsoft.com/office/powerpoint/2012/main" xmlns="">
+      <p15:sldGuideLst xmlns="" xmlns:p15="http://schemas.microsoft.com/office/powerpoint/2012/main">
         <p15:guide id="1" orient="horz" pos="2160" userDrawn="1">
           <p15:clr>
             <a:srgbClr val="FBAE40"/>
@@ -3576,7 +3577,7 @@
           </a:ln>
           <a:extLst>
             <a:ext uri="{91240B29-F687-4F45-9708-019B960494DF}">
-              <a14:hiddenLine xmlns:a14="http://schemas.microsoft.com/office/drawing/2010/main" xmlns="" w="9525">
+              <a14:hiddenLine xmlns="" xmlns:a14="http://schemas.microsoft.com/office/drawing/2010/main" w="9525">
                 <a:solidFill>
                   <a:srgbClr val="000000"/>
                 </a:solidFill>
@@ -3671,7 +3672,7 @@
           </a:ln>
           <a:extLst>
             <a:ext uri="{91240B29-F687-4F45-9708-019B960494DF}">
-              <a14:hiddenLine xmlns:a14="http://schemas.microsoft.com/office/drawing/2010/main" xmlns="" w="9525">
+              <a14:hiddenLine xmlns="" xmlns:a14="http://schemas.microsoft.com/office/drawing/2010/main" w="9525">
                 <a:solidFill>
                   <a:srgbClr val="000000"/>
                 </a:solidFill>
@@ -3766,7 +3767,7 @@
           </a:ln>
           <a:extLst>
             <a:ext uri="{91240B29-F687-4F45-9708-019B960494DF}">
-              <a14:hiddenLine xmlns:a14="http://schemas.microsoft.com/office/drawing/2010/main" xmlns="" w="9525">
+              <a14:hiddenLine xmlns="" xmlns:a14="http://schemas.microsoft.com/office/drawing/2010/main" w="9525">
                 <a:solidFill>
                   <a:srgbClr val="000000"/>
                 </a:solidFill>
@@ -4798,7 +4799,7 @@
     </p:spTree>
     <p:extLst>
       <p:ext uri="{BB962C8B-B14F-4D97-AF65-F5344CB8AC3E}">
-        <p14:creationId xmlns:p14="http://schemas.microsoft.com/office/powerpoint/2010/main" xmlns="" val="2895349213"/>
+        <p14:creationId xmlns="" xmlns:p14="http://schemas.microsoft.com/office/powerpoint/2010/main" val="2895349213"/>
       </p:ext>
     </p:extLst>
   </p:cSld>
@@ -5045,7 +5046,7 @@
     </p:spTree>
     <p:extLst>
       <p:ext uri="{BB962C8B-B14F-4D97-AF65-F5344CB8AC3E}">
-        <p14:creationId xmlns:p14="http://schemas.microsoft.com/office/powerpoint/2010/main" xmlns="" val="4216422739"/>
+        <p14:creationId xmlns="" xmlns:p14="http://schemas.microsoft.com/office/powerpoint/2010/main" val="4216422739"/>
       </p:ext>
     </p:extLst>
   </p:cSld>
@@ -5236,7 +5237,7 @@
     </p:spTree>
     <p:extLst>
       <p:ext uri="{BB962C8B-B14F-4D97-AF65-F5344CB8AC3E}">
-        <p14:creationId xmlns:p14="http://schemas.microsoft.com/office/powerpoint/2010/main" xmlns="" val="1466112408"/>
+        <p14:creationId xmlns="" xmlns:p14="http://schemas.microsoft.com/office/powerpoint/2010/main" val="1466112408"/>
       </p:ext>
     </p:extLst>
   </p:cSld>
@@ -5479,7 +5480,7 @@
     </p:spTree>
     <p:extLst>
       <p:ext uri="{BB962C8B-B14F-4D97-AF65-F5344CB8AC3E}">
-        <p14:creationId xmlns:p14="http://schemas.microsoft.com/office/powerpoint/2010/main" xmlns="" val="1836390994"/>
+        <p14:creationId xmlns="" xmlns:p14="http://schemas.microsoft.com/office/powerpoint/2010/main" val="1836390994"/>
       </p:ext>
     </p:extLst>
   </p:cSld>
@@ -5727,7 +5728,7 @@
           <a:blip r:embed="rId2">
             <a:extLst>
               <a:ext uri="{28A0092B-C50C-407E-A947-70E740481C1C}">
-                <a14:useLocalDpi xmlns:a14="http://schemas.microsoft.com/office/drawing/2010/main" xmlns="" val="0"/>
+                <a14:useLocalDpi xmlns="" xmlns:a14="http://schemas.microsoft.com/office/drawing/2010/main" val="0"/>
               </a:ext>
             </a:extLst>
           </a:blip>
@@ -5750,14 +5751,14 @@
           </a:ln>
           <a:extLst>
             <a:ext uri="{909E8E84-426E-40DD-AFC4-6F175D3DCCD1}">
-              <a14:hiddenFill xmlns:a14="http://schemas.microsoft.com/office/drawing/2010/main" xmlns="">
+              <a14:hiddenFill xmlns="" xmlns:a14="http://schemas.microsoft.com/office/drawing/2010/main">
                 <a:solidFill>
                   <a:schemeClr val="accent1"/>
                 </a:solidFill>
               </a14:hiddenFill>
             </a:ext>
             <a:ext uri="{91240B29-F687-4F45-9708-019B960494DF}">
-              <a14:hiddenLine xmlns:a14="http://schemas.microsoft.com/office/drawing/2010/main" xmlns="" w="9525">
+              <a14:hiddenLine xmlns="" xmlns:a14="http://schemas.microsoft.com/office/drawing/2010/main" w="9525">
                 <a:solidFill>
                   <a:schemeClr val="tx1"/>
                 </a:solidFill>
@@ -5898,7 +5899,7 @@
     </p:spTree>
     <p:extLst>
       <p:ext uri="{BB962C8B-B14F-4D97-AF65-F5344CB8AC3E}">
-        <p14:creationId xmlns:p14="http://schemas.microsoft.com/office/powerpoint/2010/main" xmlns="" val="4058165542"/>
+        <p14:creationId xmlns="" xmlns:p14="http://schemas.microsoft.com/office/powerpoint/2010/main" val="4058165542"/>
       </p:ext>
     </p:extLst>
   </p:cSld>
@@ -6263,7 +6264,7 @@
     </p:spTree>
     <p:extLst>
       <p:ext uri="{BB962C8B-B14F-4D97-AF65-F5344CB8AC3E}">
-        <p14:creationId xmlns:p14="http://schemas.microsoft.com/office/powerpoint/2010/main" xmlns="" val="2383928734"/>
+        <p14:creationId xmlns="" xmlns:p14="http://schemas.microsoft.com/office/powerpoint/2010/main" val="2383928734"/>
       </p:ext>
     </p:extLst>
   </p:cSld>
@@ -6441,7 +6442,7 @@
           <a:blip r:embed="rId2">
             <a:extLst>
               <a:ext uri="{28A0092B-C50C-407E-A947-70E740481C1C}">
-                <a14:useLocalDpi xmlns:a14="http://schemas.microsoft.com/office/drawing/2010/main" xmlns="" val="0"/>
+                <a14:useLocalDpi xmlns="" xmlns:a14="http://schemas.microsoft.com/office/drawing/2010/main" val="0"/>
               </a:ext>
             </a:extLst>
           </a:blip>
@@ -6464,14 +6465,14 @@
           </a:ln>
           <a:extLst>
             <a:ext uri="{909E8E84-426E-40DD-AFC4-6F175D3DCCD1}">
-              <a14:hiddenFill xmlns:a14="http://schemas.microsoft.com/office/drawing/2010/main" xmlns="">
+              <a14:hiddenFill xmlns="" xmlns:a14="http://schemas.microsoft.com/office/drawing/2010/main">
                 <a:solidFill>
                   <a:schemeClr val="accent1"/>
                 </a:solidFill>
               </a14:hiddenFill>
             </a:ext>
             <a:ext uri="{91240B29-F687-4F45-9708-019B960494DF}">
-              <a14:hiddenLine xmlns:a14="http://schemas.microsoft.com/office/drawing/2010/main" xmlns="" w="9525">
+              <a14:hiddenLine xmlns="" xmlns:a14="http://schemas.microsoft.com/office/drawing/2010/main" w="9525">
                 <a:solidFill>
                   <a:schemeClr val="tx1"/>
                 </a:solidFill>
@@ -6486,7 +6487,7 @@
     </p:spTree>
     <p:extLst>
       <p:ext uri="{BB962C8B-B14F-4D97-AF65-F5344CB8AC3E}">
-        <p14:creationId xmlns:p14="http://schemas.microsoft.com/office/powerpoint/2010/main" xmlns="" val="1075400916"/>
+        <p14:creationId xmlns="" xmlns:p14="http://schemas.microsoft.com/office/powerpoint/2010/main" val="1075400916"/>
       </p:ext>
     </p:extLst>
   </p:cSld>
@@ -6934,7 +6935,7 @@
     </p:spTree>
     <p:extLst>
       <p:ext uri="{BB962C8B-B14F-4D97-AF65-F5344CB8AC3E}">
-        <p14:creationId xmlns:p14="http://schemas.microsoft.com/office/powerpoint/2010/main" xmlns="" val="1550742323"/>
+        <p14:creationId xmlns="" xmlns:p14="http://schemas.microsoft.com/office/powerpoint/2010/main" val="1550742323"/>
       </p:ext>
     </p:extLst>
   </p:cSld>
@@ -7200,7 +7201,7 @@
     </p:spTree>
     <p:extLst>
       <p:ext uri="{BB962C8B-B14F-4D97-AF65-F5344CB8AC3E}">
-        <p14:creationId xmlns:p14="http://schemas.microsoft.com/office/powerpoint/2010/main" xmlns="" val="2284810438"/>
+        <p14:creationId xmlns="" xmlns:p14="http://schemas.microsoft.com/office/powerpoint/2010/main" val="2284810438"/>
       </p:ext>
     </p:extLst>
   </p:cSld>
@@ -7236,277 +7237,112 @@
       </p:grpSpPr>
       <p:sp>
         <p:nvSpPr>
-          <p:cNvPr id="3075" name="Rectangle 5"/>
-          <p:cNvSpPr>
-            <a:spLocks noChangeArrowheads="1"/>
-          </p:cNvSpPr>
-          <p:nvPr/>
-        </p:nvSpPr>
-        <p:spPr bwMode="auto">
-          <a:xfrm>
-            <a:off x="365727" y="753011"/>
-            <a:ext cx="8229600" cy="2758919"/>
-          </a:xfrm>
-          <a:prstGeom prst="rect">
-            <a:avLst/>
-          </a:prstGeom>
-          <a:noFill/>
-          <a:ln w="9525">
-            <a:noFill/>
-            <a:miter lim="800000"/>
-            <a:headEnd/>
-            <a:tailEnd/>
-          </a:ln>
-        </p:spPr>
-        <p:txBody>
-          <a:bodyPr anchor="ctr"/>
-          <a:lstStyle/>
-          <a:p>
-            <a:pPr algn="ctr"/>
-            <a:r>
-              <a:rPr lang="de-DE" sz="4400" b="1" dirty="0">
-                <a:solidFill>
-                  <a:schemeClr val="tx1">
-                    <a:lumMod val="75000"/>
-                  </a:schemeClr>
-                </a:solidFill>
-              </a:rPr>
-              <a:t>Fragen?</a:t>
-            </a:r>
-          </a:p>
-          <a:p>
-            <a:pPr algn="ctr"/>
-            <a:endParaRPr lang="de-DE" sz="1600" b="1" dirty="0">
-              <a:solidFill>
-                <a:schemeClr val="accent4"/>
-              </a:solidFill>
-              <a:ea typeface="ＭＳ Ｐゴシック" pitchFamily="34" charset="-128"/>
-            </a:endParaRPr>
-          </a:p>
-          <a:p>
-            <a:pPr algn="ctr"/>
-            <a:endParaRPr lang="de-DE" sz="1600" b="1" dirty="0">
-              <a:solidFill>
-                <a:schemeClr val="accent4"/>
-              </a:solidFill>
-              <a:ea typeface="ＭＳ Ｐゴシック" pitchFamily="34" charset="-128"/>
-            </a:endParaRPr>
-          </a:p>
-          <a:p>
-            <a:pPr algn="ctr"/>
-            <a:endParaRPr lang="de-DE" sz="1600" b="1" dirty="0">
-              <a:solidFill>
-                <a:schemeClr val="accent4"/>
-              </a:solidFill>
-              <a:ea typeface="ＭＳ Ｐゴシック" pitchFamily="34" charset="-128"/>
-            </a:endParaRPr>
-          </a:p>
-          <a:p>
-            <a:pPr algn="ctr"/>
-            <a:r>
-              <a:rPr lang="de-DE" sz="2800" b="1" dirty="0">
-                <a:solidFill>
-                  <a:srgbClr val="5F5F5F"/>
-                </a:solidFill>
-                <a:ea typeface="ＭＳ Ｐゴシック" pitchFamily="34" charset="-128"/>
-              </a:rPr>
-              <a:t>Theorie       Programmierung       Konzept</a:t>
-            </a:r>
-          </a:p>
-        </p:txBody>
-      </p:sp>
-      <p:sp>
-        <p:nvSpPr>
-          <p:cNvPr id="4" name="Rectangle 5"/>
-          <p:cNvSpPr>
-            <a:spLocks noChangeArrowheads="1"/>
-          </p:cNvSpPr>
-          <p:nvPr/>
-        </p:nvSpPr>
-        <p:spPr bwMode="auto">
-          <a:xfrm>
-            <a:off x="553027" y="3740709"/>
-            <a:ext cx="8229600" cy="1269131"/>
-          </a:xfrm>
-          <a:prstGeom prst="rect">
-            <a:avLst/>
-          </a:prstGeom>
-          <a:noFill/>
-          <a:ln w="9525">
-            <a:noFill/>
-            <a:miter lim="800000"/>
-            <a:headEnd/>
-            <a:tailEnd/>
-          </a:ln>
-        </p:spPr>
-        <p:txBody>
-          <a:bodyPr anchor="ctr"/>
-          <a:lstStyle/>
-          <a:p>
-            <a:endParaRPr lang="de-DE" altLang="zh-CN" sz="1600" dirty="0">
-              <a:solidFill>
-                <a:schemeClr val="bg1"/>
-              </a:solidFill>
-              <a:latin typeface="+mj-lt"/>
-              <a:ea typeface="宋体" pitchFamily="2" charset="-122"/>
-            </a:endParaRPr>
-          </a:p>
-        </p:txBody>
-      </p:sp>
-      <p:pic>
-        <p:nvPicPr>
-          <p:cNvPr id="3077" name="Picture 5" descr="Link zur Startseite der Universität Dortmund">
-            <a:hlinkClick r:id="rId3"/>
-          </p:cNvPr>
-          <p:cNvPicPr>
-            <a:picLocks noChangeAspect="1" noChangeArrowheads="1"/>
-          </p:cNvPicPr>
-          <p:nvPr/>
-        </p:nvPicPr>
-        <p:blipFill>
-          <a:blip r:embed="rId4" cstate="print"/>
-          <a:srcRect/>
-          <a:stretch>
-            <a:fillRect/>
-          </a:stretch>
-        </p:blipFill>
-        <p:spPr bwMode="auto">
-          <a:xfrm>
-            <a:off x="755592" y="5373217"/>
-            <a:ext cx="2428875" cy="390527"/>
-          </a:xfrm>
-          <a:prstGeom prst="rect">
-            <a:avLst/>
-          </a:prstGeom>
-          <a:noFill/>
-        </p:spPr>
-      </p:pic>
-      <p:sp>
-        <p:nvSpPr>
-          <p:cNvPr id="7" name="Rectangle 5"/>
-          <p:cNvSpPr>
-            <a:spLocks noChangeArrowheads="1"/>
-          </p:cNvSpPr>
-          <p:nvPr/>
-        </p:nvSpPr>
-        <p:spPr bwMode="auto">
-          <a:xfrm>
-            <a:off x="637187" y="3742981"/>
-            <a:ext cx="7974552" cy="1269131"/>
-          </a:xfrm>
-          <a:prstGeom prst="rect">
-            <a:avLst/>
-          </a:prstGeom>
-          <a:noFill/>
-          <a:ln w="9525">
-            <a:noFill/>
-            <a:miter lim="800000"/>
-            <a:headEnd/>
-            <a:tailEnd/>
-          </a:ln>
-        </p:spPr>
-        <p:txBody>
-          <a:bodyPr anchor="ctr"/>
-          <a:lstStyle/>
-          <a:p>
-            <a:pPr algn="r">
-              <a:lnSpc>
-                <a:spcPts val="2000"/>
-              </a:lnSpc>
+          <p:cNvPr id="2" name="Titel 1"/>
+          <p:cNvSpPr>
+            <a:spLocks noGrp="1"/>
+          </p:cNvSpPr>
+          <p:nvPr>
+            <p:ph type="title"/>
+          </p:nvPr>
+        </p:nvSpPr>
+        <p:spPr/>
+        <p:txBody>
+          <a:bodyPr/>
+          <a:lstStyle/>
+          <a:p>
+            <a:r>
+              <a:rPr lang="de-DE" dirty="0" smtClean="0"/>
+              <a:t>Bildquellen</a:t>
+            </a:r>
+            <a:endParaRPr lang="de-DE" dirty="0"/>
+          </a:p>
+        </p:txBody>
+      </p:sp>
+      <p:sp>
+        <p:nvSpPr>
+          <p:cNvPr id="3" name="Inhaltsplatzhalter 2"/>
+          <p:cNvSpPr>
+            <a:spLocks noGrp="1"/>
+          </p:cNvSpPr>
+          <p:nvPr>
+            <p:ph idx="1"/>
+          </p:nvPr>
+        </p:nvSpPr>
+        <p:spPr>
+          <a:xfrm>
+            <a:off x="738197" y="1401763"/>
+            <a:ext cx="7342187" cy="1920526"/>
+          </a:xfrm>
+        </p:spPr>
+        <p:txBody>
+          <a:bodyPr/>
+          <a:lstStyle/>
+          <a:p>
+            <a:r>
+              <a:rPr lang="de-DE" sz="1800" dirty="0" smtClean="0"/>
+              <a:t>https://staruml.files.wordpress.com/2014/03/staruml_logo_small.png</a:t>
+            </a:r>
+          </a:p>
+          <a:p>
+            <a:r>
+              <a:rPr lang="de-DE" sz="1800" dirty="0" smtClean="0"/>
+              <a:t>https://git-scm.com/images/logo@2x.png</a:t>
+            </a:r>
+          </a:p>
+          <a:p>
+            <a:r>
+              <a:rPr lang="de-DE" sz="1800" dirty="0" smtClean="0"/>
+              <a:t>http://www.stack.nl/~dimitri/doxygen/images/doxygen.png</a:t>
+            </a:r>
+          </a:p>
+          <a:p>
+            <a:r>
+              <a:rPr lang="de-DE" sz="1800" dirty="0" smtClean="0"/>
+              <a:t>https://upload.wikimedia.org/wikipedia/commons/4/4b/Codeblocks_logo.png</a:t>
+            </a:r>
+          </a:p>
+          <a:p>
+            <a:pPr>
+              <a:buNone/>
             </a:pPr>
-            <a:endParaRPr lang="de-DE" altLang="zh-CN" sz="1600" dirty="0">
-              <a:solidFill>
-                <a:schemeClr val="bg1"/>
-              </a:solidFill>
-              <a:latin typeface="+mj-lt"/>
-              <a:ea typeface="宋体" pitchFamily="2" charset="-122"/>
-            </a:endParaRPr>
-          </a:p>
-        </p:txBody>
-      </p:sp>
-      <p:sp>
-        <p:nvSpPr>
-          <p:cNvPr id="3" name="Rechteck 2"/>
-          <p:cNvSpPr/>
-          <p:nvPr/>
-        </p:nvSpPr>
-        <p:spPr>
-          <a:xfrm>
-            <a:off x="457216" y="4142546"/>
-            <a:ext cx="8229599" cy="438582"/>
-          </a:xfrm>
-          <a:prstGeom prst="rect">
-            <a:avLst/>
-          </a:prstGeom>
-        </p:spPr>
-        <p:txBody>
-          <a:bodyPr wrap="square">
-            <a:spAutoFit/>
-          </a:bodyPr>
-          <a:lstStyle/>
-          <a:p>
-            <a:pPr algn="ctr">
-              <a:lnSpc>
-                <a:spcPct val="107000"/>
-              </a:lnSpc>
-              <a:spcAft>
-                <a:spcPts val="800"/>
-              </a:spcAft>
+            <a:endParaRPr lang="de-DE" dirty="0" smtClean="0"/>
+          </a:p>
+        </p:txBody>
+      </p:sp>
+      <p:sp>
+        <p:nvSpPr>
+          <p:cNvPr id="4" name="Foliennummernplatzhalter 3"/>
+          <p:cNvSpPr>
+            <a:spLocks noGrp="1"/>
+          </p:cNvSpPr>
+          <p:nvPr>
+            <p:ph type="sldNum" sz="quarter" idx="10"/>
+          </p:nvPr>
+        </p:nvSpPr>
+        <p:spPr/>
+        <p:txBody>
+          <a:bodyPr/>
+          <a:lstStyle/>
+          <a:p>
+            <a:pPr>
+              <a:defRPr/>
             </a:pPr>
-            <a:r>
-              <a:rPr lang="de-DE" sz="2200" dirty="0">
-                <a:solidFill>
-                  <a:schemeClr val="bg1"/>
-                </a:solidFill>
-                <a:latin typeface="Calibri" panose="020F0502020204030204" pitchFamily="34" charset="0"/>
-                <a:ea typeface="Calibri" panose="020F0502020204030204" pitchFamily="34" charset="0"/>
-                <a:cs typeface="Times New Roman" panose="02020603050405020304" pitchFamily="18" charset="0"/>
-              </a:rPr>
-              <a:t>Entwicklung und Implementierung einer Aufzugsteuerung mittels C++</a:t>
-            </a:r>
-          </a:p>
-        </p:txBody>
-      </p:sp>
-      <p:pic>
-        <p:nvPicPr>
-          <p:cNvPr id="9" name="Grafik 8"/>
-          <p:cNvPicPr/>
-          <p:nvPr/>
-        </p:nvPicPr>
-        <p:blipFill>
-          <a:blip r:embed="rId5"/>
-          <a:stretch>
-            <a:fillRect/>
-          </a:stretch>
-        </p:blipFill>
-        <p:spPr>
-          <a:xfrm>
-            <a:off x="7668344" y="5315846"/>
-            <a:ext cx="808562" cy="543876"/>
-          </a:xfrm>
-          <a:prstGeom prst="rect">
-            <a:avLst/>
-          </a:prstGeom>
-        </p:spPr>
-      </p:pic>
+            <a:fld id="{5F8FFA7F-0241-4901-8EB3-B5A2BF410D80}" type="slidenum">
+              <a:rPr lang="de-DE" smtClean="0"/>
+              <a:pPr>
+                <a:defRPr/>
+              </a:pPr>
+              <a:t>19</a:t>
+            </a:fld>
+            <a:endParaRPr lang="de-DE" dirty="0"/>
+          </a:p>
+        </p:txBody>
+      </p:sp>
     </p:spTree>
-    <p:extLst>
-      <p:ext uri="{BB962C8B-B14F-4D97-AF65-F5344CB8AC3E}">
-        <p14:creationId xmlns:p14="http://schemas.microsoft.com/office/powerpoint/2010/main" xmlns="" val="1684480284"/>
-      </p:ext>
-    </p:extLst>
   </p:cSld>
   <p:clrMapOvr>
     <a:masterClrMapping/>
   </p:clrMapOvr>
-  <p:transition/>
-  <p:timing>
-    <p:tnLst>
-      <p:par>
-        <p:cTn id="1" dur="indefinite" restart="never" nodeType="tmRoot"/>
-      </p:par>
-    </p:tnLst>
-  </p:timing>
 </p:sld>
 </file>
 
@@ -7946,13 +7782,306 @@
     </p:spTree>
     <p:extLst>
       <p:ext uri="{BB962C8B-B14F-4D97-AF65-F5344CB8AC3E}">
-        <p14:creationId xmlns:p14="http://schemas.microsoft.com/office/powerpoint/2010/main" xmlns="" val="309100733"/>
+        <p14:creationId xmlns="" xmlns:p14="http://schemas.microsoft.com/office/powerpoint/2010/main" val="309100733"/>
       </p:ext>
     </p:extLst>
   </p:cSld>
   <p:clrMapOvr>
     <a:masterClrMapping/>
   </p:clrMapOvr>
+</p:sld>
+</file>
+
+<file path=ppt/slides/slide20.xml><?xml version="1.0" encoding="utf-8"?>
+<p:sld xmlns:a="http://schemas.openxmlformats.org/drawingml/2006/main" xmlns:r="http://schemas.openxmlformats.org/officeDocument/2006/relationships" xmlns:p="http://schemas.openxmlformats.org/presentationml/2006/main">
+  <p:cSld>
+    <p:spTree>
+      <p:nvGrpSpPr>
+        <p:cNvPr id="1" name=""/>
+        <p:cNvGrpSpPr/>
+        <p:nvPr/>
+      </p:nvGrpSpPr>
+      <p:grpSpPr>
+        <a:xfrm>
+          <a:off x="0" y="0"/>
+          <a:ext cx="0" cy="0"/>
+          <a:chOff x="0" y="0"/>
+          <a:chExt cx="0" cy="0"/>
+        </a:xfrm>
+      </p:grpSpPr>
+      <p:sp>
+        <p:nvSpPr>
+          <p:cNvPr id="3075" name="Rectangle 5"/>
+          <p:cNvSpPr>
+            <a:spLocks noChangeArrowheads="1"/>
+          </p:cNvSpPr>
+          <p:nvPr/>
+        </p:nvSpPr>
+        <p:spPr bwMode="auto">
+          <a:xfrm>
+            <a:off x="365727" y="753011"/>
+            <a:ext cx="8229600" cy="2758919"/>
+          </a:xfrm>
+          <a:prstGeom prst="rect">
+            <a:avLst/>
+          </a:prstGeom>
+          <a:noFill/>
+          <a:ln w="9525">
+            <a:noFill/>
+            <a:miter lim="800000"/>
+            <a:headEnd/>
+            <a:tailEnd/>
+          </a:ln>
+        </p:spPr>
+        <p:txBody>
+          <a:bodyPr anchor="ctr"/>
+          <a:lstStyle/>
+          <a:p>
+            <a:pPr algn="ctr"/>
+            <a:r>
+              <a:rPr lang="de-DE" sz="4400" b="1" dirty="0">
+                <a:solidFill>
+                  <a:schemeClr val="tx1">
+                    <a:lumMod val="75000"/>
+                  </a:schemeClr>
+                </a:solidFill>
+              </a:rPr>
+              <a:t>Fragen?</a:t>
+            </a:r>
+          </a:p>
+          <a:p>
+            <a:pPr algn="ctr"/>
+            <a:endParaRPr lang="de-DE" sz="1600" b="1" dirty="0">
+              <a:solidFill>
+                <a:schemeClr val="accent4"/>
+              </a:solidFill>
+              <a:ea typeface="ＭＳ Ｐゴシック" pitchFamily="34" charset="-128"/>
+            </a:endParaRPr>
+          </a:p>
+          <a:p>
+            <a:pPr algn="ctr"/>
+            <a:endParaRPr lang="de-DE" sz="1600" b="1" dirty="0">
+              <a:solidFill>
+                <a:schemeClr val="accent4"/>
+              </a:solidFill>
+              <a:ea typeface="ＭＳ Ｐゴシック" pitchFamily="34" charset="-128"/>
+            </a:endParaRPr>
+          </a:p>
+          <a:p>
+            <a:pPr algn="ctr"/>
+            <a:endParaRPr lang="de-DE" sz="1600" b="1" dirty="0">
+              <a:solidFill>
+                <a:schemeClr val="accent4"/>
+              </a:solidFill>
+              <a:ea typeface="ＭＳ Ｐゴシック" pitchFamily="34" charset="-128"/>
+            </a:endParaRPr>
+          </a:p>
+          <a:p>
+            <a:pPr algn="ctr"/>
+            <a:r>
+              <a:rPr lang="de-DE" sz="2800" b="1" dirty="0">
+                <a:solidFill>
+                  <a:srgbClr val="5F5F5F"/>
+                </a:solidFill>
+                <a:ea typeface="ＭＳ Ｐゴシック" pitchFamily="34" charset="-128"/>
+              </a:rPr>
+              <a:t>Theorie       Programmierung       Konzept</a:t>
+            </a:r>
+          </a:p>
+        </p:txBody>
+      </p:sp>
+      <p:sp>
+        <p:nvSpPr>
+          <p:cNvPr id="4" name="Rectangle 5"/>
+          <p:cNvSpPr>
+            <a:spLocks noChangeArrowheads="1"/>
+          </p:cNvSpPr>
+          <p:nvPr/>
+        </p:nvSpPr>
+        <p:spPr bwMode="auto">
+          <a:xfrm>
+            <a:off x="553027" y="3740709"/>
+            <a:ext cx="8229600" cy="1269131"/>
+          </a:xfrm>
+          <a:prstGeom prst="rect">
+            <a:avLst/>
+          </a:prstGeom>
+          <a:noFill/>
+          <a:ln w="9525">
+            <a:noFill/>
+            <a:miter lim="800000"/>
+            <a:headEnd/>
+            <a:tailEnd/>
+          </a:ln>
+        </p:spPr>
+        <p:txBody>
+          <a:bodyPr anchor="ctr"/>
+          <a:lstStyle/>
+          <a:p>
+            <a:endParaRPr lang="de-DE" altLang="zh-CN" sz="1600" dirty="0">
+              <a:solidFill>
+                <a:schemeClr val="bg1"/>
+              </a:solidFill>
+              <a:latin typeface="+mj-lt"/>
+              <a:ea typeface="宋体" pitchFamily="2" charset="-122"/>
+            </a:endParaRPr>
+          </a:p>
+        </p:txBody>
+      </p:sp>
+      <p:pic>
+        <p:nvPicPr>
+          <p:cNvPr id="3077" name="Picture 5" descr="Link zur Startseite der Universität Dortmund">
+            <a:hlinkClick r:id="rId3"/>
+          </p:cNvPr>
+          <p:cNvPicPr>
+            <a:picLocks noChangeAspect="1" noChangeArrowheads="1"/>
+          </p:cNvPicPr>
+          <p:nvPr/>
+        </p:nvPicPr>
+        <p:blipFill>
+          <a:blip r:embed="rId4" cstate="print"/>
+          <a:srcRect/>
+          <a:stretch>
+            <a:fillRect/>
+          </a:stretch>
+        </p:blipFill>
+        <p:spPr bwMode="auto">
+          <a:xfrm>
+            <a:off x="755592" y="5373217"/>
+            <a:ext cx="2428875" cy="390527"/>
+          </a:xfrm>
+          <a:prstGeom prst="rect">
+            <a:avLst/>
+          </a:prstGeom>
+          <a:noFill/>
+        </p:spPr>
+      </p:pic>
+      <p:sp>
+        <p:nvSpPr>
+          <p:cNvPr id="7" name="Rectangle 5"/>
+          <p:cNvSpPr>
+            <a:spLocks noChangeArrowheads="1"/>
+          </p:cNvSpPr>
+          <p:nvPr/>
+        </p:nvSpPr>
+        <p:spPr bwMode="auto">
+          <a:xfrm>
+            <a:off x="637187" y="3742981"/>
+            <a:ext cx="7974552" cy="1269131"/>
+          </a:xfrm>
+          <a:prstGeom prst="rect">
+            <a:avLst/>
+          </a:prstGeom>
+          <a:noFill/>
+          <a:ln w="9525">
+            <a:noFill/>
+            <a:miter lim="800000"/>
+            <a:headEnd/>
+            <a:tailEnd/>
+          </a:ln>
+        </p:spPr>
+        <p:txBody>
+          <a:bodyPr anchor="ctr"/>
+          <a:lstStyle/>
+          <a:p>
+            <a:pPr algn="r">
+              <a:lnSpc>
+                <a:spcPts val="2000"/>
+              </a:lnSpc>
+            </a:pPr>
+            <a:endParaRPr lang="de-DE" altLang="zh-CN" sz="1600" dirty="0">
+              <a:solidFill>
+                <a:schemeClr val="bg1"/>
+              </a:solidFill>
+              <a:latin typeface="+mj-lt"/>
+              <a:ea typeface="宋体" pitchFamily="2" charset="-122"/>
+            </a:endParaRPr>
+          </a:p>
+        </p:txBody>
+      </p:sp>
+      <p:sp>
+        <p:nvSpPr>
+          <p:cNvPr id="3" name="Rechteck 2"/>
+          <p:cNvSpPr/>
+          <p:nvPr/>
+        </p:nvSpPr>
+        <p:spPr>
+          <a:xfrm>
+            <a:off x="457216" y="4142546"/>
+            <a:ext cx="8229599" cy="438582"/>
+          </a:xfrm>
+          <a:prstGeom prst="rect">
+            <a:avLst/>
+          </a:prstGeom>
+        </p:spPr>
+        <p:txBody>
+          <a:bodyPr wrap="square">
+            <a:spAutoFit/>
+          </a:bodyPr>
+          <a:lstStyle/>
+          <a:p>
+            <a:pPr algn="ctr">
+              <a:lnSpc>
+                <a:spcPct val="107000"/>
+              </a:lnSpc>
+              <a:spcAft>
+                <a:spcPts val="800"/>
+              </a:spcAft>
+            </a:pPr>
+            <a:r>
+              <a:rPr lang="de-DE" sz="2200" dirty="0">
+                <a:solidFill>
+                  <a:schemeClr val="bg1"/>
+                </a:solidFill>
+                <a:latin typeface="Calibri" panose="020F0502020204030204" pitchFamily="34" charset="0"/>
+                <a:ea typeface="Calibri" panose="020F0502020204030204" pitchFamily="34" charset="0"/>
+                <a:cs typeface="Times New Roman" panose="02020603050405020304" pitchFamily="18" charset="0"/>
+              </a:rPr>
+              <a:t>Entwicklung und Implementierung einer Aufzugsteuerung mittels C++</a:t>
+            </a:r>
+          </a:p>
+        </p:txBody>
+      </p:sp>
+      <p:pic>
+        <p:nvPicPr>
+          <p:cNvPr id="9" name="Grafik 8"/>
+          <p:cNvPicPr/>
+          <p:nvPr/>
+        </p:nvPicPr>
+        <p:blipFill>
+          <a:blip r:embed="rId5"/>
+          <a:stretch>
+            <a:fillRect/>
+          </a:stretch>
+        </p:blipFill>
+        <p:spPr>
+          <a:xfrm>
+            <a:off x="7668344" y="5315846"/>
+            <a:ext cx="808562" cy="543876"/>
+          </a:xfrm>
+          <a:prstGeom prst="rect">
+            <a:avLst/>
+          </a:prstGeom>
+        </p:spPr>
+      </p:pic>
+    </p:spTree>
+    <p:extLst>
+      <p:ext uri="{BB962C8B-B14F-4D97-AF65-F5344CB8AC3E}">
+        <p14:creationId xmlns="" xmlns:p14="http://schemas.microsoft.com/office/powerpoint/2010/main" val="1684480284"/>
+      </p:ext>
+    </p:extLst>
+  </p:cSld>
+  <p:clrMapOvr>
+    <a:masterClrMapping/>
+  </p:clrMapOvr>
+  <p:transition/>
+  <p:timing>
+    <p:tnLst>
+      <p:par>
+        <p:cTn id="1" dur="indefinite" restart="never" nodeType="tmRoot"/>
+      </p:par>
+    </p:tnLst>
+  </p:timing>
 </p:sld>
 </file>
 
@@ -8291,7 +8420,7 @@
     </p:spTree>
     <p:extLst>
       <p:ext uri="{BB962C8B-B14F-4D97-AF65-F5344CB8AC3E}">
-        <p14:creationId xmlns:p14="http://schemas.microsoft.com/office/powerpoint/2010/main" xmlns="" val="4221714953"/>
+        <p14:creationId xmlns="" xmlns:p14="http://schemas.microsoft.com/office/powerpoint/2010/main" val="4221714953"/>
       </p:ext>
     </p:extLst>
   </p:cSld>
@@ -8459,7 +8588,7 @@
     </p:spTree>
     <p:extLst>
       <p:ext uri="{BB962C8B-B14F-4D97-AF65-F5344CB8AC3E}">
-        <p14:creationId xmlns:p14="http://schemas.microsoft.com/office/powerpoint/2010/main" xmlns="" val="1893387264"/>
+        <p14:creationId xmlns="" xmlns:p14="http://schemas.microsoft.com/office/powerpoint/2010/main" val="1893387264"/>
       </p:ext>
     </p:extLst>
   </p:cSld>
@@ -8897,7 +9026,7 @@
     </p:spTree>
     <p:extLst>
       <p:ext uri="{BB962C8B-B14F-4D97-AF65-F5344CB8AC3E}">
-        <p14:creationId xmlns:p14="http://schemas.microsoft.com/office/powerpoint/2010/main" xmlns="" val="3395949267"/>
+        <p14:creationId xmlns="" xmlns:p14="http://schemas.microsoft.com/office/powerpoint/2010/main" val="3395949267"/>
       </p:ext>
     </p:extLst>
   </p:cSld>
@@ -9091,7 +9220,7 @@
     </p:spTree>
     <p:extLst>
       <p:ext uri="{BB962C8B-B14F-4D97-AF65-F5344CB8AC3E}">
-        <p14:creationId xmlns:p14="http://schemas.microsoft.com/office/powerpoint/2010/main" xmlns="" val="3427100782"/>
+        <p14:creationId xmlns="" xmlns:p14="http://schemas.microsoft.com/office/powerpoint/2010/main" val="3427100782"/>
       </p:ext>
     </p:extLst>
   </p:cSld>
@@ -9285,7 +9414,7 @@
     </p:spTree>
     <p:extLst>
       <p:ext uri="{BB962C8B-B14F-4D97-AF65-F5344CB8AC3E}">
-        <p14:creationId xmlns:p14="http://schemas.microsoft.com/office/powerpoint/2010/main" xmlns="" val="1036794897"/>
+        <p14:creationId xmlns="" xmlns:p14="http://schemas.microsoft.com/office/powerpoint/2010/main" val="1036794897"/>
       </p:ext>
     </p:extLst>
   </p:cSld>
@@ -9528,7 +9657,7 @@
     </p:spTree>
     <p:extLst>
       <p:ext uri="{BB962C8B-B14F-4D97-AF65-F5344CB8AC3E}">
-        <p14:creationId xmlns:p14="http://schemas.microsoft.com/office/powerpoint/2010/main" xmlns="" val="1366462204"/>
+        <p14:creationId xmlns="" xmlns:p14="http://schemas.microsoft.com/office/powerpoint/2010/main" val="1366462204"/>
       </p:ext>
     </p:extLst>
   </p:cSld>
@@ -9741,7 +9870,7 @@
     </p:spTree>
     <p:extLst>
       <p:ext uri="{BB962C8B-B14F-4D97-AF65-F5344CB8AC3E}">
-        <p14:creationId xmlns:p14="http://schemas.microsoft.com/office/powerpoint/2010/main" xmlns="" val="456857022"/>
+        <p14:creationId xmlns="" xmlns:p14="http://schemas.microsoft.com/office/powerpoint/2010/main" val="456857022"/>
       </p:ext>
     </p:extLst>
   </p:cSld>
